--- a/AutomacaoComScripts/Aula05-PythonFuncoesListas/05-PythonFuncoesListas.pptx
+++ b/AutomacaoComScripts/Aula05-PythonFuncoesListas/05-PythonFuncoesListas.pptx
@@ -208,7 +208,8 @@
           <a:p>
             <a:fld id="{9375CF41-A8D5-453D-99AE-1445C0D80C35}" type="datetimeFigureOut">
               <a:rPr lang="pt-BR" smtClean="0"/>
-              <a:t>23/03/2017</a:t>
+              <a:pPr/>
+              <a:t>13/02/2018</a:t>
             </a:fld>
             <a:endParaRPr lang="pt-BR"/>
           </a:p>
@@ -369,6 +370,7 @@
           <a:p>
             <a:fld id="{C2E2C80A-CEE2-447C-A6F2-AFB1B618063C}" type="slidenum">
               <a:rPr lang="pt-BR" smtClean="0"/>
+              <a:pPr/>
               <a:t>‹#›</a:t>
             </a:fld>
             <a:endParaRPr lang="pt-BR"/>
@@ -540,6 +542,7 @@
           <a:p>
             <a:fld id="{C2E2C80A-CEE2-447C-A6F2-AFB1B618063C}" type="slidenum">
               <a:rPr lang="pt-BR" smtClean="0"/>
+              <a:pPr/>
               <a:t>12</a:t>
             </a:fld>
             <a:endParaRPr lang="pt-BR"/>
@@ -805,7 +808,7 @@
               <a:pPr>
                 <a:defRPr/>
               </a:pPr>
-              <a:t>23/03/2017</a:t>
+              <a:t>13/02/2018</a:t>
             </a:fld>
             <a:endParaRPr lang="pt-BR"/>
           </a:p>
@@ -1083,7 +1086,7 @@
               <a:pPr>
                 <a:defRPr/>
               </a:pPr>
-              <a:t>23/03/2017</a:t>
+              <a:t>13/02/2018</a:t>
             </a:fld>
             <a:endParaRPr lang="pt-BR"/>
           </a:p>
@@ -1275,7 +1278,7 @@
               <a:pPr>
                 <a:defRPr/>
               </a:pPr>
-              <a:t>23/03/2017</a:t>
+              <a:t>13/02/2018</a:t>
             </a:fld>
             <a:endParaRPr lang="pt-BR"/>
           </a:p>
@@ -1477,7 +1480,7 @@
               <a:pPr>
                 <a:defRPr/>
               </a:pPr>
-              <a:t>23/03/2017</a:t>
+              <a:t>13/02/2018</a:t>
             </a:fld>
             <a:endParaRPr lang="pt-BR"/>
           </a:p>
@@ -1579,7 +1582,7 @@
           <a:blip r:embed="rId2" cstate="print">
             <a:extLst>
               <a:ext uri="{BEBA8EAE-BF5A-486C-A8C5-ECC9F3942E4B}">
-                <a14:imgProps xmlns:a14="http://schemas.microsoft.com/office/drawing/2010/main" xmlns="">
+                <a14:imgProps xmlns="" xmlns:a14="http://schemas.microsoft.com/office/drawing/2010/main">
                   <a14:imgLayer r:embed="rId3">
                     <a14:imgEffect>
                       <a14:saturation sat="305000"/>
@@ -1623,7 +1626,7 @@
           <a:blip r:embed="rId4" cstate="print">
             <a:extLst>
               <a:ext uri="{28A0092B-C50C-407E-A947-70E740481C1C}">
-                <a14:useLocalDpi xmlns:a14="http://schemas.microsoft.com/office/drawing/2010/main" xmlns="" val="0"/>
+                <a14:useLocalDpi xmlns="" xmlns:a14="http://schemas.microsoft.com/office/drawing/2010/main" val="0"/>
               </a:ext>
             </a:extLst>
           </a:blip>
@@ -1646,14 +1649,14 @@
           </a:ln>
           <a:extLst>
             <a:ext uri="{909E8E84-426E-40DD-AFC4-6F175D3DCCD1}">
-              <a14:hiddenFill xmlns:a14="http://schemas.microsoft.com/office/drawing/2010/main" xmlns="">
+              <a14:hiddenFill xmlns="" xmlns:a14="http://schemas.microsoft.com/office/drawing/2010/main">
                 <a:solidFill>
                   <a:srgbClr val="FFFFFF"/>
                 </a:solidFill>
               </a14:hiddenFill>
             </a:ext>
             <a:ext uri="{91240B29-F687-4F45-9708-019B960494DF}">
-              <a14:hiddenLine xmlns:a14="http://schemas.microsoft.com/office/drawing/2010/main" xmlns="" w="9525">
+              <a14:hiddenLine xmlns="" xmlns:a14="http://schemas.microsoft.com/office/drawing/2010/main" w="9525">
                 <a:solidFill>
                   <a:srgbClr val="000000"/>
                 </a:solidFill>
@@ -1871,7 +1874,7 @@
               <a:pPr>
                 <a:defRPr/>
               </a:pPr>
-              <a:t>23/03/2017</a:t>
+              <a:t>13/02/2018</a:t>
             </a:fld>
             <a:endParaRPr lang="pt-BR"/>
           </a:p>
@@ -2063,7 +2066,7 @@
               <a:pPr>
                 <a:defRPr/>
               </a:pPr>
-              <a:t>23/03/2017</a:t>
+              <a:t>13/02/2018</a:t>
             </a:fld>
             <a:endParaRPr lang="pt-BR"/>
           </a:p>
@@ -2331,7 +2334,7 @@
               <a:pPr>
                 <a:defRPr/>
               </a:pPr>
-              <a:t>23/03/2017</a:t>
+              <a:t>13/02/2018</a:t>
             </a:fld>
             <a:endParaRPr lang="pt-BR"/>
           </a:p>
@@ -2641,7 +2644,7 @@
               <a:pPr>
                 <a:defRPr/>
               </a:pPr>
-              <a:t>23/03/2017</a:t>
+              <a:t>13/02/2018</a:t>
             </a:fld>
             <a:endParaRPr lang="pt-BR"/>
           </a:p>
@@ -3085,7 +3088,7 @@
               <a:pPr>
                 <a:defRPr/>
               </a:pPr>
-              <a:t>23/03/2017</a:t>
+              <a:t>13/02/2018</a:t>
             </a:fld>
             <a:endParaRPr lang="pt-BR"/>
           </a:p>
@@ -3225,7 +3228,7 @@
               <a:pPr>
                 <a:defRPr/>
               </a:pPr>
-              <a:t>23/03/2017</a:t>
+              <a:t>13/02/2018</a:t>
             </a:fld>
             <a:endParaRPr lang="pt-BR"/>
           </a:p>
@@ -3342,7 +3345,7 @@
               <a:pPr>
                 <a:defRPr/>
               </a:pPr>
-              <a:t>23/03/2017</a:t>
+              <a:t>13/02/2018</a:t>
             </a:fld>
             <a:endParaRPr lang="pt-BR"/>
           </a:p>
@@ -3568,7 +3571,7 @@
             <a:fld id="{2E700DB3-DBF0-4086-B675-117E7A9610B8}" type="datetimeFigureOut">
               <a:rPr lang="pt-BR" smtClean="0"/>
               <a:pPr/>
-              <a:t>23/03/2017</a:t>
+              <a:t>13/02/2018</a:t>
             </a:fld>
             <a:endParaRPr lang="pt-BR"/>
           </a:p>
@@ -3947,7 +3950,7 @@
           <a:blip r:embed="rId13" cstate="print">
             <a:extLst>
               <a:ext uri="{BEBA8EAE-BF5A-486C-A8C5-ECC9F3942E4B}">
-                <a14:imgProps xmlns:a14="http://schemas.microsoft.com/office/drawing/2010/main" xmlns="">
+                <a14:imgProps xmlns="" xmlns:a14="http://schemas.microsoft.com/office/drawing/2010/main">
                   <a14:imgLayer r:embed="rId14">
                     <a14:imgEffect>
                       <a14:saturation sat="305000"/>
@@ -4134,7 +4137,7 @@
               <a:pPr>
                 <a:defRPr/>
               </a:pPr>
-              <a:t>23/03/2017</a:t>
+              <a:t>13/02/2018</a:t>
             </a:fld>
             <a:endParaRPr lang="pt-BR"/>
           </a:p>
@@ -4271,7 +4274,7 @@
           <a:blip r:embed="rId16" cstate="print">
             <a:extLst>
               <a:ext uri="{28A0092B-C50C-407E-A947-70E740481C1C}">
-                <a14:useLocalDpi xmlns:a14="http://schemas.microsoft.com/office/drawing/2010/main" xmlns="" val="0"/>
+                <a14:useLocalDpi xmlns="" xmlns:a14="http://schemas.microsoft.com/office/drawing/2010/main" val="0"/>
               </a:ext>
             </a:extLst>
           </a:blip>
@@ -4292,14 +4295,14 @@
           </a:ln>
           <a:extLst>
             <a:ext uri="{909E8E84-426E-40DD-AFC4-6F175D3DCCD1}">
-              <a14:hiddenFill xmlns:a14="http://schemas.microsoft.com/office/drawing/2010/main" xmlns="">
+              <a14:hiddenFill xmlns="" xmlns:a14="http://schemas.microsoft.com/office/drawing/2010/main">
                 <a:solidFill>
                   <a:srgbClr val="FFFFFF"/>
                 </a:solidFill>
               </a14:hiddenFill>
             </a:ext>
             <a:ext uri="{91240B29-F687-4F45-9708-019B960494DF}">
-              <a14:hiddenLine xmlns:a14="http://schemas.microsoft.com/office/drawing/2010/main" xmlns="" w="9525">
+              <a14:hiddenLine xmlns="" xmlns:a14="http://schemas.microsoft.com/office/drawing/2010/main" w="9525">
                 <a:solidFill>
                   <a:srgbClr val="000000"/>
                 </a:solidFill>
@@ -4777,7 +4780,7 @@
                 <a:latin typeface="+mn-lt"/>
                 <a:cs typeface="Arial" pitchFamily="34" charset="0"/>
               </a:rPr>
-              <a:t>23 </a:t>
+              <a:t>20 </a:t>
             </a:r>
             <a:r>
               <a:rPr lang="pt-BR" sz="2200" b="1" dirty="0">
@@ -4797,7 +4800,7 @@
                 <a:latin typeface="+mn-lt"/>
                 <a:cs typeface="Arial" pitchFamily="34" charset="0"/>
               </a:rPr>
-              <a:t>março </a:t>
+              <a:t>abril </a:t>
             </a:r>
             <a:r>
               <a:rPr lang="pt-BR" sz="2200" b="1" dirty="0">
@@ -4817,7 +4820,7 @@
                 <a:latin typeface="+mn-lt"/>
                 <a:cs typeface="Arial" pitchFamily="34" charset="0"/>
               </a:rPr>
-              <a:t>2017</a:t>
+              <a:t>2018</a:t>
             </a:r>
             <a:endParaRPr lang="pt-BR" sz="2200" b="1" dirty="0">
               <a:solidFill>
@@ -5005,15 +5008,15 @@
                   <a:schemeClr val="bg1"/>
                 </a:solidFill>
               </a:rPr>
-              <a:t>Listas e </a:t>
-            </a:r>
-            <a:r>
-              <a:rPr lang="pt-BR" altLang="pt-BR" sz="2800" b="1" dirty="0" smtClean="0">
+              <a:t>Listas</a:t>
+            </a:r>
+            <a:r>
+              <a:rPr lang="pt-BR" altLang="pt-BR" sz="2800" b="1" smtClean="0">
                 <a:solidFill>
                   <a:schemeClr val="bg1"/>
                 </a:solidFill>
               </a:rPr>
-              <a:t>Funções</a:t>
+              <a:t>, Funções</a:t>
             </a:r>
             <a:endParaRPr lang="pt-BR" altLang="pt-BR" sz="2800" b="1" dirty="0" smtClean="0">
               <a:solidFill>
@@ -5048,7 +5051,7 @@
           <a:blip r:embed="rId2" cstate="print">
             <a:extLst>
               <a:ext uri="{28A0092B-C50C-407E-A947-70E740481C1C}">
-                <a14:useLocalDpi xmlns:a14="http://schemas.microsoft.com/office/drawing/2010/main" xmlns="" val="0"/>
+                <a14:useLocalDpi xmlns="" xmlns:a14="http://schemas.microsoft.com/office/drawing/2010/main" val="0"/>
               </a:ext>
             </a:extLst>
           </a:blip>
@@ -6785,14 +6788,34 @@
                 <a:latin typeface="Courier New" pitchFamily="49" charset="0"/>
                 <a:cs typeface="Courier New" pitchFamily="49" charset="0"/>
               </a:rPr>
-              <a:t> </a:t>
-            </a:r>
+              <a:t>    &lt;comando 1&gt;</a:t>
+            </a:r>
+          </a:p>
+          <a:p>
             <a:r>
               <a:rPr lang="pt-BR" sz="2800" dirty="0" smtClean="0">
                 <a:latin typeface="Courier New" pitchFamily="49" charset="0"/>
                 <a:cs typeface="Courier New" pitchFamily="49" charset="0"/>
               </a:rPr>
-              <a:t>   &lt;comando 1&gt;</a:t>
+              <a:t>    &lt;comando 2&gt;</a:t>
+            </a:r>
+          </a:p>
+          <a:p>
+            <a:r>
+              <a:rPr lang="pt-BR" sz="2800" dirty="0" smtClean="0">
+                <a:latin typeface="Courier New" pitchFamily="49" charset="0"/>
+                <a:cs typeface="Courier New" pitchFamily="49" charset="0"/>
+              </a:rPr>
+              <a:t>   ...</a:t>
+            </a:r>
+          </a:p>
+          <a:p>
+            <a:r>
+              <a:rPr lang="pt-BR" sz="2800" dirty="0" smtClean="0">
+                <a:latin typeface="Courier New" pitchFamily="49" charset="0"/>
+                <a:cs typeface="Courier New" pitchFamily="49" charset="0"/>
+              </a:rPr>
+              <a:t>    &lt;comando n&gt;</a:t>
             </a:r>
           </a:p>
           <a:p>
@@ -6802,75 +6825,6 @@
                 <a:cs typeface="Courier New" pitchFamily="49" charset="0"/>
               </a:rPr>
               <a:t>    </a:t>
-            </a:r>
-            <a:r>
-              <a:rPr lang="pt-BR" sz="2800" dirty="0" smtClean="0">
-                <a:latin typeface="Courier New" pitchFamily="49" charset="0"/>
-                <a:cs typeface="Courier New" pitchFamily="49" charset="0"/>
-              </a:rPr>
-              <a:t>&lt;</a:t>
-            </a:r>
-            <a:r>
-              <a:rPr lang="pt-BR" sz="2800" dirty="0" smtClean="0">
-                <a:latin typeface="Courier New" pitchFamily="49" charset="0"/>
-                <a:cs typeface="Courier New" pitchFamily="49" charset="0"/>
-              </a:rPr>
-              <a:t>comando 2&gt;</a:t>
-            </a:r>
-          </a:p>
-          <a:p>
-            <a:r>
-              <a:rPr lang="pt-BR" sz="2800" dirty="0" smtClean="0">
-                <a:latin typeface="Courier New" pitchFamily="49" charset="0"/>
-                <a:cs typeface="Courier New" pitchFamily="49" charset="0"/>
-              </a:rPr>
-              <a:t> </a:t>
-            </a:r>
-            <a:r>
-              <a:rPr lang="pt-BR" sz="2800" dirty="0" smtClean="0">
-                <a:latin typeface="Courier New" pitchFamily="49" charset="0"/>
-                <a:cs typeface="Courier New" pitchFamily="49" charset="0"/>
-              </a:rPr>
-              <a:t>  ...</a:t>
-            </a:r>
-          </a:p>
-          <a:p>
-            <a:r>
-              <a:rPr lang="pt-BR" sz="2800" dirty="0" smtClean="0">
-                <a:latin typeface="Courier New" pitchFamily="49" charset="0"/>
-                <a:cs typeface="Courier New" pitchFamily="49" charset="0"/>
-              </a:rPr>
-              <a:t>    </a:t>
-            </a:r>
-            <a:r>
-              <a:rPr lang="pt-BR" sz="2800" dirty="0" smtClean="0">
-                <a:latin typeface="Courier New" pitchFamily="49" charset="0"/>
-                <a:cs typeface="Courier New" pitchFamily="49" charset="0"/>
-              </a:rPr>
-              <a:t>&lt;</a:t>
-            </a:r>
-            <a:r>
-              <a:rPr lang="pt-BR" sz="2800" dirty="0" smtClean="0">
-                <a:latin typeface="Courier New" pitchFamily="49" charset="0"/>
-                <a:cs typeface="Courier New" pitchFamily="49" charset="0"/>
-              </a:rPr>
-              <a:t>comando n&gt;</a:t>
-            </a:r>
-          </a:p>
-          <a:p>
-            <a:r>
-              <a:rPr lang="pt-BR" sz="2800" dirty="0" smtClean="0">
-                <a:latin typeface="Courier New" pitchFamily="49" charset="0"/>
-                <a:cs typeface="Courier New" pitchFamily="49" charset="0"/>
-              </a:rPr>
-              <a:t> </a:t>
-            </a:r>
-            <a:r>
-              <a:rPr lang="pt-BR" sz="2800" dirty="0" smtClean="0">
-                <a:latin typeface="Courier New" pitchFamily="49" charset="0"/>
-                <a:cs typeface="Courier New" pitchFamily="49" charset="0"/>
-              </a:rPr>
-              <a:t>   </a:t>
             </a:r>
             <a:r>
               <a:rPr lang="pt-BR" sz="2800" b="1" dirty="0" smtClean="0">
@@ -7011,30 +6965,16 @@
                 <a:latin typeface="Courier New" pitchFamily="49" charset="0"/>
                 <a:cs typeface="Courier New" pitchFamily="49" charset="0"/>
               </a:rPr>
-              <a:t>def </a:t>
-            </a:r>
+              <a:t>def diga_ola(nomePessoa):</a:t>
+            </a:r>
+          </a:p>
+          <a:p>
             <a:r>
               <a:rPr lang="pt-BR" sz="2800" dirty="0" smtClean="0">
                 <a:latin typeface="Courier New" pitchFamily="49" charset="0"/>
                 <a:cs typeface="Courier New" pitchFamily="49" charset="0"/>
               </a:rPr>
-              <a:t>diga_ola(nomePessoa):</a:t>
-            </a:r>
-          </a:p>
-          <a:p>
-            <a:r>
-              <a:rPr lang="pt-BR" sz="2800" dirty="0" smtClean="0">
-                <a:latin typeface="Courier New" pitchFamily="49" charset="0"/>
-                <a:cs typeface="Courier New" pitchFamily="49" charset="0"/>
-              </a:rPr>
-              <a:t>    print</a:t>
-            </a:r>
-            <a:r>
-              <a:rPr lang="pt-BR" sz="2800" dirty="0" smtClean="0">
-                <a:latin typeface="Courier New" pitchFamily="49" charset="0"/>
-                <a:cs typeface="Courier New" pitchFamily="49" charset="0"/>
-              </a:rPr>
-              <a:t>("Ola, ", nomePessoa)</a:t>
+              <a:t>    print("Ola, ", nomePessoa)</a:t>
             </a:r>
           </a:p>
           <a:p>
@@ -7058,14 +6998,7 @@
                 <a:latin typeface="Courier New" pitchFamily="49" charset="0"/>
                 <a:cs typeface="Courier New" pitchFamily="49" charset="0"/>
               </a:rPr>
-              <a:t>diga_ola</a:t>
-            </a:r>
-            <a:r>
-              <a:rPr lang="pt-BR" sz="2800" dirty="0" smtClean="0">
-                <a:latin typeface="Courier New" pitchFamily="49" charset="0"/>
-                <a:cs typeface="Courier New" pitchFamily="49" charset="0"/>
-              </a:rPr>
-              <a:t>("nivia")</a:t>
+              <a:t>diga_ola("nivia")</a:t>
             </a:r>
             <a:endParaRPr lang="pt-BR" sz="2800" dirty="0">
               <a:latin typeface="Courier New" pitchFamily="49" charset="0"/>
@@ -7116,10 +7049,6 @@
               </a:rPr>
               <a:t>def funcaoSemParametro():</a:t>
             </a:r>
-            <a:endParaRPr lang="pt-BR" sz="2800" dirty="0" smtClean="0">
-              <a:latin typeface="Courier New" pitchFamily="49" charset="0"/>
-              <a:cs typeface="Courier New" pitchFamily="49" charset="0"/>
-            </a:endParaRPr>
           </a:p>
           <a:p>
             <a:r>
@@ -7129,10 +7058,6 @@
               </a:rPr>
               <a:t>    print(“Essa função não tem parametro")</a:t>
             </a:r>
-            <a:endParaRPr lang="pt-BR" sz="2800" dirty="0" smtClean="0">
-              <a:latin typeface="Courier New" pitchFamily="49" charset="0"/>
-              <a:cs typeface="Courier New" pitchFamily="49" charset="0"/>
-            </a:endParaRPr>
           </a:p>
           <a:p>
             <a:r>
@@ -7149,14 +7074,7 @@
                 <a:latin typeface="Courier New" pitchFamily="49" charset="0"/>
                 <a:cs typeface="Courier New" pitchFamily="49" charset="0"/>
               </a:rPr>
-              <a:t>funcaoSemParametro</a:t>
-            </a:r>
-            <a:r>
-              <a:rPr lang="pt-BR" sz="2800" dirty="0" smtClean="0">
-                <a:latin typeface="Courier New" pitchFamily="49" charset="0"/>
-                <a:cs typeface="Courier New" pitchFamily="49" charset="0"/>
-              </a:rPr>
-              <a:t>()</a:t>
+              <a:t>funcaoSemParametro()</a:t>
             </a:r>
             <a:endParaRPr lang="pt-BR" sz="2800" dirty="0">
               <a:latin typeface="Courier New" pitchFamily="49" charset="0"/>
@@ -7365,10 +7283,6 @@
               </a:rPr>
               <a:t>def fatorial (n):</a:t>
             </a:r>
-            <a:endParaRPr lang="pt-BR" sz="2800" dirty="0" smtClean="0">
-              <a:latin typeface="Courier New" pitchFamily="49" charset="0"/>
-              <a:cs typeface="Courier New" pitchFamily="49" charset="0"/>
-            </a:endParaRPr>
           </a:p>
           <a:p>
             <a:pPr lvl="1"/>
@@ -7503,39 +7417,7 @@
           <a:p>
             <a:r>
               <a:rPr lang="pt-BR" sz="2800" dirty="0" smtClean="0"/>
-              <a:t>Uma </a:t>
-            </a:r>
-            <a:r>
-              <a:rPr lang="pt-BR" sz="2800" dirty="0" smtClean="0"/>
-              <a:t>prova consta de </a:t>
-            </a:r>
-            <a:r>
-              <a:rPr lang="pt-BR" sz="2800" dirty="0" smtClean="0"/>
-              <a:t>‘x’ </a:t>
-            </a:r>
-            <a:r>
-              <a:rPr lang="pt-BR" sz="2800" dirty="0" smtClean="0"/>
-              <a:t>questões, das quais o aluno deve resolver </a:t>
-            </a:r>
-            <a:r>
-              <a:rPr lang="pt-BR" sz="2800" dirty="0" smtClean="0"/>
-              <a:t>‘y’. </a:t>
-            </a:r>
-            <a:r>
-              <a:rPr lang="pt-BR" sz="2800" dirty="0" smtClean="0"/>
-              <a:t>De quantas formas ele poderá escolher as </a:t>
-            </a:r>
-            <a:r>
-              <a:rPr lang="pt-BR" sz="2800" dirty="0" smtClean="0"/>
-              <a:t>‘y’ </a:t>
-            </a:r>
-            <a:r>
-              <a:rPr lang="pt-BR" sz="2800" dirty="0" smtClean="0"/>
-              <a:t>questões</a:t>
-            </a:r>
-            <a:r>
-              <a:rPr lang="pt-BR" sz="2800" dirty="0" smtClean="0"/>
-              <a:t>?</a:t>
+              <a:t>Uma prova consta de ‘x’ questões, das quais o aluno deve resolver ‘y’. De quantas formas ele poderá escolher as ‘y’ questões?</a:t>
             </a:r>
           </a:p>
           <a:p>
@@ -8944,14 +8826,7 @@
                 <a:latin typeface="Courier New" pitchFamily="49" charset="0"/>
                 <a:cs typeface="Courier New" pitchFamily="49" charset="0"/>
               </a:rPr>
-              <a:t> range(início,fim,passo</a:t>
-            </a:r>
-            <a:r>
-              <a:rPr lang="pt-BR" sz="2800" dirty="0" smtClean="0">
-                <a:latin typeface="Courier New" pitchFamily="49" charset="0"/>
-                <a:cs typeface="Courier New" pitchFamily="49" charset="0"/>
-              </a:rPr>
-              <a:t>)</a:t>
+              <a:t> range(início,fim,passo)</a:t>
             </a:r>
             <a:r>
               <a:rPr lang="pt-BR" sz="2800" b="1" dirty="0" smtClean="0">
@@ -8967,14 +8842,7 @@
                 <a:latin typeface="Courier New" pitchFamily="49" charset="0"/>
                 <a:cs typeface="Courier New" pitchFamily="49" charset="0"/>
               </a:rPr>
-              <a:t> </a:t>
-            </a:r>
-            <a:r>
-              <a:rPr lang="pt-BR" sz="2800" dirty="0" smtClean="0">
-                <a:latin typeface="Courier New" pitchFamily="49" charset="0"/>
-                <a:cs typeface="Courier New" pitchFamily="49" charset="0"/>
-              </a:rPr>
-              <a:t>  &lt;comandos&gt;</a:t>
+              <a:t>   &lt;comandos&gt;</a:t>
             </a:r>
           </a:p>
           <a:p>
@@ -9020,21 +8888,7 @@
                 <a:latin typeface="Courier New" pitchFamily="49" charset="0"/>
                 <a:cs typeface="Courier New" pitchFamily="49" charset="0"/>
               </a:rPr>
-              <a:t> </a:t>
-            </a:r>
-            <a:r>
-              <a:rPr lang="pt-BR" sz="2800" dirty="0" smtClean="0">
-                <a:latin typeface="Courier New" pitchFamily="49" charset="0"/>
-                <a:cs typeface="Courier New" pitchFamily="49" charset="0"/>
-              </a:rPr>
-              <a:t>  &lt;</a:t>
-            </a:r>
-            <a:r>
-              <a:rPr lang="pt-BR" sz="2800" dirty="0" smtClean="0">
-                <a:latin typeface="Courier New" pitchFamily="49" charset="0"/>
-                <a:cs typeface="Courier New" pitchFamily="49" charset="0"/>
-              </a:rPr>
-              <a:t>comandos&gt;</a:t>
+              <a:t>   &lt;comandos&gt;</a:t>
             </a:r>
           </a:p>
           <a:p>
@@ -9080,21 +8934,7 @@
                 <a:latin typeface="Courier New" pitchFamily="49" charset="0"/>
                 <a:cs typeface="Courier New" pitchFamily="49" charset="0"/>
               </a:rPr>
-              <a:t> </a:t>
-            </a:r>
-            <a:r>
-              <a:rPr lang="pt-BR" sz="2800" dirty="0" smtClean="0">
-                <a:latin typeface="Courier New" pitchFamily="49" charset="0"/>
-                <a:cs typeface="Courier New" pitchFamily="49" charset="0"/>
-              </a:rPr>
-              <a:t>  &lt;</a:t>
-            </a:r>
-            <a:r>
-              <a:rPr lang="pt-BR" sz="2800" dirty="0" smtClean="0">
-                <a:latin typeface="Courier New" pitchFamily="49" charset="0"/>
-                <a:cs typeface="Courier New" pitchFamily="49" charset="0"/>
-              </a:rPr>
-              <a:t>comandos&gt;</a:t>
+              <a:t>   &lt;comandos&gt;</a:t>
             </a:r>
             <a:endParaRPr lang="pt-BR" sz="2800" dirty="0">
               <a:latin typeface="Courier New" pitchFamily="49" charset="0"/>
@@ -9207,14 +9047,7 @@
                 <a:latin typeface="Courier New" pitchFamily="49" charset="0"/>
                 <a:cs typeface="Courier New" pitchFamily="49" charset="0"/>
               </a:rPr>
-              <a:t> </a:t>
-            </a:r>
-            <a:r>
-              <a:rPr lang="pt-BR" sz="2800" dirty="0" smtClean="0">
-                <a:latin typeface="Courier New" pitchFamily="49" charset="0"/>
-                <a:cs typeface="Courier New" pitchFamily="49" charset="0"/>
-              </a:rPr>
-              <a:t>var </a:t>
+              <a:t> var </a:t>
             </a:r>
             <a:r>
               <a:rPr lang="pt-BR" sz="2800" b="1" dirty="0" smtClean="0">
@@ -9228,35 +9061,17 @@
                 <a:latin typeface="Courier New" pitchFamily="49" charset="0"/>
                 <a:cs typeface="Courier New" pitchFamily="49" charset="0"/>
               </a:rPr>
-              <a:t> </a:t>
-            </a:r>
+              <a:t> range(2,10,1):</a:t>
+            </a:r>
+          </a:p>
+          <a:p>
             <a:r>
               <a:rPr lang="pt-BR" sz="2800" dirty="0" smtClean="0">
                 <a:latin typeface="Courier New" pitchFamily="49" charset="0"/>
                 <a:cs typeface="Courier New" pitchFamily="49" charset="0"/>
               </a:rPr>
-              <a:t>range(2,10,1):</a:t>
-            </a:r>
-          </a:p>
-          <a:p>
-            <a:r>
-              <a:rPr lang="pt-BR" sz="2800" dirty="0" smtClean="0">
-                <a:latin typeface="Courier New" pitchFamily="49" charset="0"/>
-                <a:cs typeface="Courier New" pitchFamily="49" charset="0"/>
-              </a:rPr>
-              <a:t> </a:t>
-            </a:r>
-            <a:r>
-              <a:rPr lang="pt-BR" sz="2800" dirty="0" smtClean="0">
-                <a:latin typeface="Courier New" pitchFamily="49" charset="0"/>
-                <a:cs typeface="Courier New" pitchFamily="49" charset="0"/>
-              </a:rPr>
-              <a:t>    print (var)</a:t>
-            </a:r>
-            <a:endParaRPr lang="pt-BR" sz="2800" dirty="0" smtClean="0">
-              <a:latin typeface="Courier New" pitchFamily="49" charset="0"/>
-              <a:cs typeface="Courier New" pitchFamily="49" charset="0"/>
-            </a:endParaRPr>
+              <a:t>     print (var)</a:t>
+            </a:r>
           </a:p>
         </p:txBody>
       </p:sp>
@@ -9293,14 +9108,7 @@
                 <a:latin typeface="Courier New" pitchFamily="49" charset="0"/>
                 <a:cs typeface="Courier New" pitchFamily="49" charset="0"/>
               </a:rPr>
-              <a:t> </a:t>
-            </a:r>
-            <a:r>
-              <a:rPr lang="pt-BR" sz="2800" dirty="0" smtClean="0">
-                <a:latin typeface="Courier New" pitchFamily="49" charset="0"/>
-                <a:cs typeface="Courier New" pitchFamily="49" charset="0"/>
-              </a:rPr>
-              <a:t>var </a:t>
+              <a:t> var </a:t>
             </a:r>
             <a:r>
               <a:rPr lang="pt-BR" sz="2800" b="1" dirty="0" smtClean="0">
@@ -9314,35 +9122,17 @@
                 <a:latin typeface="Courier New" pitchFamily="49" charset="0"/>
                 <a:cs typeface="Courier New" pitchFamily="49" charset="0"/>
               </a:rPr>
-              <a:t> </a:t>
-            </a:r>
+              <a:t> range(1,10,1):</a:t>
+            </a:r>
+          </a:p>
+          <a:p>
             <a:r>
               <a:rPr lang="pt-BR" sz="2800" dirty="0" smtClean="0">
                 <a:latin typeface="Courier New" pitchFamily="49" charset="0"/>
                 <a:cs typeface="Courier New" pitchFamily="49" charset="0"/>
               </a:rPr>
-              <a:t>range(1,10,1):</a:t>
-            </a:r>
-          </a:p>
-          <a:p>
-            <a:r>
-              <a:rPr lang="pt-BR" sz="2800" dirty="0" smtClean="0">
-                <a:latin typeface="Courier New" pitchFamily="49" charset="0"/>
-                <a:cs typeface="Courier New" pitchFamily="49" charset="0"/>
-              </a:rPr>
-              <a:t> </a:t>
-            </a:r>
-            <a:r>
-              <a:rPr lang="pt-BR" sz="2800" dirty="0" smtClean="0">
-                <a:latin typeface="Courier New" pitchFamily="49" charset="0"/>
-                <a:cs typeface="Courier New" pitchFamily="49" charset="0"/>
-              </a:rPr>
-              <a:t>    print (var)</a:t>
-            </a:r>
-            <a:endParaRPr lang="pt-BR" sz="2800" dirty="0" smtClean="0">
-              <a:latin typeface="Courier New" pitchFamily="49" charset="0"/>
-              <a:cs typeface="Courier New" pitchFamily="49" charset="0"/>
-            </a:endParaRPr>
+              <a:t>     print (var)</a:t>
+            </a:r>
           </a:p>
         </p:txBody>
       </p:sp>
@@ -9379,14 +9169,7 @@
                 <a:latin typeface="Courier New" pitchFamily="49" charset="0"/>
                 <a:cs typeface="Courier New" pitchFamily="49" charset="0"/>
               </a:rPr>
-              <a:t> </a:t>
-            </a:r>
-            <a:r>
-              <a:rPr lang="pt-BR" sz="2800" dirty="0" smtClean="0">
-                <a:latin typeface="Courier New" pitchFamily="49" charset="0"/>
-                <a:cs typeface="Courier New" pitchFamily="49" charset="0"/>
-              </a:rPr>
-              <a:t>var </a:t>
+              <a:t> var </a:t>
             </a:r>
             <a:r>
               <a:rPr lang="pt-BR" sz="2800" b="1" dirty="0" smtClean="0">
@@ -9400,35 +9183,17 @@
                 <a:latin typeface="Courier New" pitchFamily="49" charset="0"/>
                 <a:cs typeface="Courier New" pitchFamily="49" charset="0"/>
               </a:rPr>
-              <a:t> </a:t>
-            </a:r>
+              <a:t> range(2,10,2):</a:t>
+            </a:r>
+          </a:p>
+          <a:p>
             <a:r>
               <a:rPr lang="pt-BR" sz="2800" dirty="0" smtClean="0">
                 <a:latin typeface="Courier New" pitchFamily="49" charset="0"/>
                 <a:cs typeface="Courier New" pitchFamily="49" charset="0"/>
               </a:rPr>
-              <a:t>range(2,10,2):</a:t>
-            </a:r>
-          </a:p>
-          <a:p>
-            <a:r>
-              <a:rPr lang="pt-BR" sz="2800" dirty="0" smtClean="0">
-                <a:latin typeface="Courier New" pitchFamily="49" charset="0"/>
-                <a:cs typeface="Courier New" pitchFamily="49" charset="0"/>
-              </a:rPr>
-              <a:t> </a:t>
-            </a:r>
-            <a:r>
-              <a:rPr lang="pt-BR" sz="2800" dirty="0" smtClean="0">
-                <a:latin typeface="Courier New" pitchFamily="49" charset="0"/>
-                <a:cs typeface="Courier New" pitchFamily="49" charset="0"/>
-              </a:rPr>
-              <a:t>    print (var)</a:t>
-            </a:r>
-            <a:endParaRPr lang="pt-BR" sz="2800" dirty="0" smtClean="0">
-              <a:latin typeface="Courier New" pitchFamily="49" charset="0"/>
-              <a:cs typeface="Courier New" pitchFamily="49" charset="0"/>
-            </a:endParaRPr>
+              <a:t>     print (var)</a:t>
+            </a:r>
           </a:p>
         </p:txBody>
       </p:sp>
@@ -9465,14 +9230,7 @@
                 <a:latin typeface="Courier New" pitchFamily="49" charset="0"/>
                 <a:cs typeface="Courier New" pitchFamily="49" charset="0"/>
               </a:rPr>
-              <a:t> </a:t>
-            </a:r>
-            <a:r>
-              <a:rPr lang="pt-BR" sz="2800" dirty="0" smtClean="0">
-                <a:latin typeface="Courier New" pitchFamily="49" charset="0"/>
-                <a:cs typeface="Courier New" pitchFamily="49" charset="0"/>
-              </a:rPr>
-              <a:t>var </a:t>
+              <a:t> var </a:t>
             </a:r>
             <a:r>
               <a:rPr lang="pt-BR" sz="2800" b="1" dirty="0" smtClean="0">
@@ -9486,35 +9244,17 @@
                 <a:latin typeface="Courier New" pitchFamily="49" charset="0"/>
                 <a:cs typeface="Courier New" pitchFamily="49" charset="0"/>
               </a:rPr>
-              <a:t> </a:t>
-            </a:r>
+              <a:t> range(2,20,2):</a:t>
+            </a:r>
+          </a:p>
+          <a:p>
             <a:r>
               <a:rPr lang="pt-BR" sz="2800" dirty="0" smtClean="0">
                 <a:latin typeface="Courier New" pitchFamily="49" charset="0"/>
                 <a:cs typeface="Courier New" pitchFamily="49" charset="0"/>
               </a:rPr>
-              <a:t>range(2,20,2):</a:t>
-            </a:r>
-          </a:p>
-          <a:p>
-            <a:r>
-              <a:rPr lang="pt-BR" sz="2800" dirty="0" smtClean="0">
-                <a:latin typeface="Courier New" pitchFamily="49" charset="0"/>
-                <a:cs typeface="Courier New" pitchFamily="49" charset="0"/>
-              </a:rPr>
-              <a:t> </a:t>
-            </a:r>
-            <a:r>
-              <a:rPr lang="pt-BR" sz="2800" dirty="0" smtClean="0">
-                <a:latin typeface="Courier New" pitchFamily="49" charset="0"/>
-                <a:cs typeface="Courier New" pitchFamily="49" charset="0"/>
-              </a:rPr>
-              <a:t>    print (var)</a:t>
-            </a:r>
-            <a:endParaRPr lang="pt-BR" sz="2800" dirty="0" smtClean="0">
-              <a:latin typeface="Courier New" pitchFamily="49" charset="0"/>
-              <a:cs typeface="Courier New" pitchFamily="49" charset="0"/>
-            </a:endParaRPr>
+              <a:t>     print (var)</a:t>
+            </a:r>
           </a:p>
         </p:txBody>
       </p:sp>
@@ -9638,14 +9378,7 @@
                 <a:latin typeface="Courier New" pitchFamily="49" charset="0"/>
                 <a:cs typeface="Courier New" pitchFamily="49" charset="0"/>
               </a:rPr>
-              <a:t> </a:t>
-            </a:r>
-            <a:r>
-              <a:rPr lang="pt-BR" sz="2800" dirty="0" smtClean="0">
-                <a:latin typeface="Courier New" pitchFamily="49" charset="0"/>
-                <a:cs typeface="Courier New" pitchFamily="49" charset="0"/>
-              </a:rPr>
-              <a:t>“palavra”</a:t>
+              <a:t> “palavra”</a:t>
             </a:r>
             <a:r>
               <a:rPr lang="pt-BR" sz="2800" b="1" dirty="0" smtClean="0">
@@ -9654,10 +9387,6 @@
               </a:rPr>
               <a:t>:</a:t>
             </a:r>
-            <a:endParaRPr lang="pt-BR" sz="2800" b="1" dirty="0" smtClean="0">
-              <a:latin typeface="Courier New" pitchFamily="49" charset="0"/>
-              <a:cs typeface="Courier New" pitchFamily="49" charset="0"/>
-            </a:endParaRPr>
           </a:p>
           <a:p>
             <a:r>
@@ -9665,19 +9394,8 @@
                 <a:latin typeface="Courier New" pitchFamily="49" charset="0"/>
                 <a:cs typeface="Courier New" pitchFamily="49" charset="0"/>
               </a:rPr>
-              <a:t>   </a:t>
-            </a:r>
-            <a:r>
-              <a:rPr lang="pt-BR" sz="2800" dirty="0" smtClean="0">
-                <a:latin typeface="Courier New" pitchFamily="49" charset="0"/>
-                <a:cs typeface="Courier New" pitchFamily="49" charset="0"/>
-              </a:rPr>
-              <a:t>print (ch)</a:t>
-            </a:r>
-            <a:endParaRPr lang="pt-BR" sz="2800" dirty="0" smtClean="0">
-              <a:latin typeface="Courier New" pitchFamily="49" charset="0"/>
-              <a:cs typeface="Courier New" pitchFamily="49" charset="0"/>
-            </a:endParaRPr>
+              <a:t>   print (ch)</a:t>
+            </a:r>
           </a:p>
         </p:txBody>
       </p:sp>
@@ -9714,14 +9432,7 @@
                 <a:latin typeface="Courier New" pitchFamily="49" charset="0"/>
                 <a:cs typeface="Courier New" pitchFamily="49" charset="0"/>
               </a:rPr>
-              <a:t> </a:t>
-            </a:r>
-            <a:r>
-              <a:rPr lang="pt-BR" sz="2800" dirty="0" smtClean="0">
-                <a:latin typeface="Courier New" pitchFamily="49" charset="0"/>
-                <a:cs typeface="Courier New" pitchFamily="49" charset="0"/>
-              </a:rPr>
-              <a:t>fruta </a:t>
+              <a:t> fruta </a:t>
             </a:r>
             <a:r>
               <a:rPr lang="pt-BR" sz="2800" b="1" dirty="0" smtClean="0">
@@ -9735,14 +9446,7 @@
                 <a:latin typeface="Courier New" pitchFamily="49" charset="0"/>
                 <a:cs typeface="Courier New" pitchFamily="49" charset="0"/>
               </a:rPr>
-              <a:t> </a:t>
-            </a:r>
-            <a:r>
-              <a:rPr lang="pt-BR" sz="2800" dirty="0" smtClean="0">
-                <a:latin typeface="Courier New" pitchFamily="49" charset="0"/>
-                <a:cs typeface="Courier New" pitchFamily="49" charset="0"/>
-              </a:rPr>
-              <a:t>[“Maça”, ‘banana’, ‘ameixa’]</a:t>
+              <a:t> [“Maça”, ‘banana’, ‘ameixa’]</a:t>
             </a:r>
             <a:r>
               <a:rPr lang="pt-BR" sz="2800" b="1" dirty="0" smtClean="0">
@@ -9751,10 +9455,6 @@
               </a:rPr>
               <a:t>:</a:t>
             </a:r>
-            <a:endParaRPr lang="pt-BR" sz="2800" b="1" dirty="0" smtClean="0">
-              <a:latin typeface="Courier New" pitchFamily="49" charset="0"/>
-              <a:cs typeface="Courier New" pitchFamily="49" charset="0"/>
-            </a:endParaRPr>
           </a:p>
           <a:p>
             <a:r>
@@ -9762,19 +9462,8 @@
                 <a:latin typeface="Courier New" pitchFamily="49" charset="0"/>
                 <a:cs typeface="Courier New" pitchFamily="49" charset="0"/>
               </a:rPr>
-              <a:t>   </a:t>
-            </a:r>
-            <a:r>
-              <a:rPr lang="pt-BR" sz="2800" dirty="0" smtClean="0">
-                <a:latin typeface="Courier New" pitchFamily="49" charset="0"/>
-                <a:cs typeface="Courier New" pitchFamily="49" charset="0"/>
-              </a:rPr>
-              <a:t>print (fruta)</a:t>
-            </a:r>
-            <a:endParaRPr lang="pt-BR" sz="2800" dirty="0" smtClean="0">
-              <a:latin typeface="Courier New" pitchFamily="49" charset="0"/>
-              <a:cs typeface="Courier New" pitchFamily="49" charset="0"/>
-            </a:endParaRPr>
+              <a:t>   print (fruta)</a:t>
+            </a:r>
           </a:p>
         </p:txBody>
       </p:sp>

--- a/AutomacaoComScripts/Aula05-PythonFuncoesListas/05-PythonFuncoesListas.pptx
+++ b/AutomacaoComScripts/Aula05-PythonFuncoesListas/05-PythonFuncoesListas.pptx
@@ -209,7 +209,7 @@
             <a:fld id="{9375CF41-A8D5-453D-99AE-1445C0D80C35}" type="datetimeFigureOut">
               <a:rPr lang="pt-BR" smtClean="0"/>
               <a:pPr/>
-              <a:t>13/02/2018</a:t>
+              <a:t>03/05/2018</a:t>
             </a:fld>
             <a:endParaRPr lang="pt-BR"/>
           </a:p>
@@ -808,7 +808,7 @@
               <a:pPr>
                 <a:defRPr/>
               </a:pPr>
-              <a:t>13/02/2018</a:t>
+              <a:t>03/05/2018</a:t>
             </a:fld>
             <a:endParaRPr lang="pt-BR"/>
           </a:p>
@@ -1086,7 +1086,7 @@
               <a:pPr>
                 <a:defRPr/>
               </a:pPr>
-              <a:t>13/02/2018</a:t>
+              <a:t>03/05/2018</a:t>
             </a:fld>
             <a:endParaRPr lang="pt-BR"/>
           </a:p>
@@ -1278,7 +1278,7 @@
               <a:pPr>
                 <a:defRPr/>
               </a:pPr>
-              <a:t>13/02/2018</a:t>
+              <a:t>03/05/2018</a:t>
             </a:fld>
             <a:endParaRPr lang="pt-BR"/>
           </a:p>
@@ -1480,7 +1480,7 @@
               <a:pPr>
                 <a:defRPr/>
               </a:pPr>
-              <a:t>13/02/2018</a:t>
+              <a:t>03/05/2018</a:t>
             </a:fld>
             <a:endParaRPr lang="pt-BR"/>
           </a:p>
@@ -1582,7 +1582,7 @@
           <a:blip r:embed="rId2" cstate="print">
             <a:extLst>
               <a:ext uri="{BEBA8EAE-BF5A-486C-A8C5-ECC9F3942E4B}">
-                <a14:imgProps xmlns="" xmlns:a14="http://schemas.microsoft.com/office/drawing/2010/main">
+                <a14:imgProps xmlns:a14="http://schemas.microsoft.com/office/drawing/2010/main" xmlns="">
                   <a14:imgLayer r:embed="rId3">
                     <a14:imgEffect>
                       <a14:saturation sat="305000"/>
@@ -1626,7 +1626,7 @@
           <a:blip r:embed="rId4" cstate="print">
             <a:extLst>
               <a:ext uri="{28A0092B-C50C-407E-A947-70E740481C1C}">
-                <a14:useLocalDpi xmlns="" xmlns:a14="http://schemas.microsoft.com/office/drawing/2010/main" val="0"/>
+                <a14:useLocalDpi xmlns:a14="http://schemas.microsoft.com/office/drawing/2010/main" xmlns="" val="0"/>
               </a:ext>
             </a:extLst>
           </a:blip>
@@ -1649,14 +1649,14 @@
           </a:ln>
           <a:extLst>
             <a:ext uri="{909E8E84-426E-40DD-AFC4-6F175D3DCCD1}">
-              <a14:hiddenFill xmlns="" xmlns:a14="http://schemas.microsoft.com/office/drawing/2010/main">
+              <a14:hiddenFill xmlns:a14="http://schemas.microsoft.com/office/drawing/2010/main" xmlns="">
                 <a:solidFill>
                   <a:srgbClr val="FFFFFF"/>
                 </a:solidFill>
               </a14:hiddenFill>
             </a:ext>
             <a:ext uri="{91240B29-F687-4F45-9708-019B960494DF}">
-              <a14:hiddenLine xmlns="" xmlns:a14="http://schemas.microsoft.com/office/drawing/2010/main" w="9525">
+              <a14:hiddenLine xmlns:a14="http://schemas.microsoft.com/office/drawing/2010/main" xmlns="" w="9525">
                 <a:solidFill>
                   <a:srgbClr val="000000"/>
                 </a:solidFill>
@@ -1874,7 +1874,7 @@
               <a:pPr>
                 <a:defRPr/>
               </a:pPr>
-              <a:t>13/02/2018</a:t>
+              <a:t>03/05/2018</a:t>
             </a:fld>
             <a:endParaRPr lang="pt-BR"/>
           </a:p>
@@ -2066,7 +2066,7 @@
               <a:pPr>
                 <a:defRPr/>
               </a:pPr>
-              <a:t>13/02/2018</a:t>
+              <a:t>03/05/2018</a:t>
             </a:fld>
             <a:endParaRPr lang="pt-BR"/>
           </a:p>
@@ -2334,7 +2334,7 @@
               <a:pPr>
                 <a:defRPr/>
               </a:pPr>
-              <a:t>13/02/2018</a:t>
+              <a:t>03/05/2018</a:t>
             </a:fld>
             <a:endParaRPr lang="pt-BR"/>
           </a:p>
@@ -2644,7 +2644,7 @@
               <a:pPr>
                 <a:defRPr/>
               </a:pPr>
-              <a:t>13/02/2018</a:t>
+              <a:t>03/05/2018</a:t>
             </a:fld>
             <a:endParaRPr lang="pt-BR"/>
           </a:p>
@@ -3088,7 +3088,7 @@
               <a:pPr>
                 <a:defRPr/>
               </a:pPr>
-              <a:t>13/02/2018</a:t>
+              <a:t>03/05/2018</a:t>
             </a:fld>
             <a:endParaRPr lang="pt-BR"/>
           </a:p>
@@ -3228,7 +3228,7 @@
               <a:pPr>
                 <a:defRPr/>
               </a:pPr>
-              <a:t>13/02/2018</a:t>
+              <a:t>03/05/2018</a:t>
             </a:fld>
             <a:endParaRPr lang="pt-BR"/>
           </a:p>
@@ -3345,7 +3345,7 @@
               <a:pPr>
                 <a:defRPr/>
               </a:pPr>
-              <a:t>13/02/2018</a:t>
+              <a:t>03/05/2018</a:t>
             </a:fld>
             <a:endParaRPr lang="pt-BR"/>
           </a:p>
@@ -3571,7 +3571,7 @@
             <a:fld id="{2E700DB3-DBF0-4086-B675-117E7A9610B8}" type="datetimeFigureOut">
               <a:rPr lang="pt-BR" smtClean="0"/>
               <a:pPr/>
-              <a:t>13/02/2018</a:t>
+              <a:t>03/05/2018</a:t>
             </a:fld>
             <a:endParaRPr lang="pt-BR"/>
           </a:p>
@@ -3950,7 +3950,7 @@
           <a:blip r:embed="rId13" cstate="print">
             <a:extLst>
               <a:ext uri="{BEBA8EAE-BF5A-486C-A8C5-ECC9F3942E4B}">
-                <a14:imgProps xmlns="" xmlns:a14="http://schemas.microsoft.com/office/drawing/2010/main">
+                <a14:imgProps xmlns:a14="http://schemas.microsoft.com/office/drawing/2010/main" xmlns="">
                   <a14:imgLayer r:embed="rId14">
                     <a14:imgEffect>
                       <a14:saturation sat="305000"/>
@@ -4137,7 +4137,7 @@
               <a:pPr>
                 <a:defRPr/>
               </a:pPr>
-              <a:t>13/02/2018</a:t>
+              <a:t>03/05/2018</a:t>
             </a:fld>
             <a:endParaRPr lang="pt-BR"/>
           </a:p>
@@ -4274,7 +4274,7 @@
           <a:blip r:embed="rId16" cstate="print">
             <a:extLst>
               <a:ext uri="{28A0092B-C50C-407E-A947-70E740481C1C}">
-                <a14:useLocalDpi xmlns="" xmlns:a14="http://schemas.microsoft.com/office/drawing/2010/main" val="0"/>
+                <a14:useLocalDpi xmlns:a14="http://schemas.microsoft.com/office/drawing/2010/main" xmlns="" val="0"/>
               </a:ext>
             </a:extLst>
           </a:blip>
@@ -4295,14 +4295,14 @@
           </a:ln>
           <a:extLst>
             <a:ext uri="{909E8E84-426E-40DD-AFC4-6F175D3DCCD1}">
-              <a14:hiddenFill xmlns="" xmlns:a14="http://schemas.microsoft.com/office/drawing/2010/main">
+              <a14:hiddenFill xmlns:a14="http://schemas.microsoft.com/office/drawing/2010/main" xmlns="">
                 <a:solidFill>
                   <a:srgbClr val="FFFFFF"/>
                 </a:solidFill>
               </a14:hiddenFill>
             </a:ext>
             <a:ext uri="{91240B29-F687-4F45-9708-019B960494DF}">
-              <a14:hiddenLine xmlns="" xmlns:a14="http://schemas.microsoft.com/office/drawing/2010/main" w="9525">
+              <a14:hiddenLine xmlns:a14="http://schemas.microsoft.com/office/drawing/2010/main" xmlns="" w="9525">
                 <a:solidFill>
                   <a:srgbClr val="000000"/>
                 </a:solidFill>
@@ -5000,15 +5000,7 @@
                   <a:schemeClr val="bg1"/>
                 </a:solidFill>
               </a:rPr>
-              <a:t>	 	 Python- </a:t>
-            </a:r>
-            <a:r>
-              <a:rPr lang="pt-BR" altLang="pt-BR" sz="2800" b="1" dirty="0" smtClean="0">
-                <a:solidFill>
-                  <a:schemeClr val="bg1"/>
-                </a:solidFill>
-              </a:rPr>
-              <a:t>Listas</a:t>
+              <a:t>	 	 Python- Listas</a:t>
             </a:r>
             <a:r>
               <a:rPr lang="pt-BR" altLang="pt-BR" sz="2800" b="1" smtClean="0">
@@ -5051,7 +5043,7 @@
           <a:blip r:embed="rId2" cstate="print">
             <a:extLst>
               <a:ext uri="{28A0092B-C50C-407E-A947-70E740481C1C}">
-                <a14:useLocalDpi xmlns="" xmlns:a14="http://schemas.microsoft.com/office/drawing/2010/main" val="0"/>
+                <a14:useLocalDpi xmlns:a14="http://schemas.microsoft.com/office/drawing/2010/main" xmlns="" val="0"/>
               </a:ext>
             </a:extLst>
           </a:blip>
@@ -7336,7 +7328,14 @@
                 <a:latin typeface="Courier New" pitchFamily="49" charset="0"/>
                 <a:cs typeface="Courier New" pitchFamily="49" charset="0"/>
               </a:rPr>
-              <a:t>return fatorial</a:t>
+              <a:t>   return </a:t>
+            </a:r>
+            <a:r>
+              <a:rPr lang="pt-BR" sz="2800" dirty="0" smtClean="0">
+                <a:latin typeface="Courier New" pitchFamily="49" charset="0"/>
+                <a:cs typeface="Courier New" pitchFamily="49" charset="0"/>
+              </a:rPr>
+              <a:t>fatorial</a:t>
             </a:r>
             <a:endParaRPr lang="pt-BR" sz="2800" dirty="0">
               <a:latin typeface="Courier New" pitchFamily="49" charset="0"/>
